--- a/BankLoanAnalysis/Problem Statement.pptx
+++ b/BankLoanAnalysis/Problem Statement.pptx
@@ -5578,7 +5578,7 @@
         </p:nvSpPr>
         <p:spPr>
           <a:xfrm>
-            <a:off x="178189" y="741908"/>
+            <a:off x="178189" y="759859"/>
             <a:ext cx="11835622" cy="5632311"/>
           </a:xfrm>
           <a:prstGeom prst="rect">
@@ -5626,14 +5626,13 @@
                 <a:ea typeface="Calibri" panose="020F0502020204030204" pitchFamily="34" charset="0"/>
                 <a:cs typeface="Times New Roman" panose="02020603050405020304" pitchFamily="18" charset="0"/>
               </a:rPr>
-              <a:t>                                         : </a:t>
+              <a:t>                                        : </a:t>
             </a:r>
             <a:r>
               <a:rPr lang="en-IN" sz="2400" b="1" kern="100" dirty="0">
                 <a:solidFill>
-                  <a:schemeClr val="accent2">
-                    <a:lumMod val="60000"/>
-                    <a:lumOff val="40000"/>
+                  <a:schemeClr val="bg1">
+                    <a:lumMod val="85000"/>
                   </a:schemeClr>
                 </a:solidFill>
                 <a:effectLst/>
@@ -5648,9 +5647,9 @@
                 <a:noFill/>
               </a:ln>
               <a:solidFill>
-                <a:prstClr val="white">
+                <a:schemeClr val="bg1">
                   <a:lumMod val="85000"/>
-                </a:prstClr>
+                </a:schemeClr>
               </a:solidFill>
               <a:effectLst/>
               <a:uLnTx/>
@@ -6088,46 +6087,6 @@
               </a:rPr>
               <a:t>FROM DASHBOARD 1</a:t>
             </a:r>
-            <a:r>
-              <a:rPr kumimoji="0" lang="en-IN" sz="2400" b="1" i="0" u="none" strike="noStrike" kern="1200" cap="none" spc="0" normalizeH="0" baseline="0" noProof="0" dirty="0">
-                <a:ln>
-                  <a:noFill/>
-                </a:ln>
-                <a:solidFill>
-                  <a:prstClr val="white"/>
-                </a:solidFill>
-                <a:effectLst/>
-                <a:uLnTx/>
-                <a:uFillTx/>
-                <a:latin typeface="Lato Black" panose="020F0A02020204030203" pitchFamily="34" charset="0"/>
-                <a:ea typeface="+mn-ea"/>
-                <a:cs typeface="+mn-cs"/>
-              </a:rPr>
-              <a:t> </a:t>
-            </a:r>
-            <a:r>
-              <a:rPr kumimoji="0" lang="en-IN" sz="2400" b="1" i="0" u="sng" strike="noStrike" kern="100" cap="none" spc="0" normalizeH="0" baseline="0" noProof="0" dirty="0">
-                <a:ln>
-                  <a:noFill/>
-                </a:ln>
-                <a:solidFill>
-                  <a:srgbClr val="FFC000">
-                    <a:lumMod val="60000"/>
-                    <a:lumOff val="40000"/>
-                  </a:srgbClr>
-                </a:solidFill>
-                <a:effectLst/>
-                <a:highlight>
-                  <a:srgbClr val="008000"/>
-                </a:highlight>
-                <a:uLnTx/>
-                <a:uFillTx/>
-                <a:latin typeface="Calibri" panose="020F0502020204030204" pitchFamily="34" charset="0"/>
-                <a:ea typeface="Calibri" panose="020F0502020204030204" pitchFamily="34" charset="0"/>
-                <a:cs typeface="Times New Roman" panose="02020603050405020304" pitchFamily="18" charset="0"/>
-              </a:rPr>
-              <a:t> </a:t>
-            </a:r>
             <a:endParaRPr kumimoji="0" lang="en-IN" sz="2400" b="1" i="0" u="none" strike="noStrike" kern="100" cap="none" spc="0" normalizeH="0" baseline="0" noProof="0" dirty="0">
               <a:ln>
                 <a:noFill/>
@@ -6165,8 +6124,8 @@
         </p:nvSpPr>
         <p:spPr>
           <a:xfrm>
-            <a:off x="178189" y="250105"/>
-            <a:ext cx="2927149" cy="461665"/>
+            <a:off x="178189" y="236639"/>
+            <a:ext cx="2927149" cy="523220"/>
           </a:xfrm>
           <a:prstGeom prst="rect">
             <a:avLst/>
@@ -6209,29 +6168,21 @@
               <a:defRPr/>
             </a:pPr>
             <a:r>
-              <a:rPr kumimoji="0" lang="en-IN" sz="2400" b="1" i="0" u="sng" strike="noStrike" kern="100" cap="none" spc="0" normalizeH="0" baseline="0" noProof="0" dirty="0">
-                <a:ln>
-                  <a:noFill/>
-                </a:ln>
-                <a:solidFill>
-                  <a:srgbClr val="FFC000">
+              <a:rPr lang="en-IN" sz="2800" b="1" kern="100" dirty="0">
+                <a:solidFill>
+                  <a:schemeClr val="accent2">
                     <a:lumMod val="60000"/>
                     <a:lumOff val="40000"/>
-                  </a:srgbClr>
+                  </a:schemeClr>
                 </a:solidFill>
                 <a:effectLst/>
-                <a:highlight>
-                  <a:srgbClr val="000000"/>
-                </a:highlight>
-                <a:uLnTx/>
-                <a:uFillTx/>
                 <a:latin typeface="Calibri" panose="020F0502020204030204" pitchFamily="34" charset="0"/>
                 <a:ea typeface="Calibri" panose="020F0502020204030204" pitchFamily="34" charset="0"/>
                 <a:cs typeface="Times New Roman" panose="02020603050405020304" pitchFamily="18" charset="0"/>
               </a:rPr>
-              <a:t>INSIGHTS</a:t>
-            </a:r>
-            <a:endParaRPr kumimoji="0" lang="en-IN" sz="2400" b="1" i="0" u="none" strike="noStrike" kern="100" cap="none" spc="0" normalizeH="0" baseline="0" noProof="0" dirty="0">
+              <a:t>KEY INSIGHTS</a:t>
+            </a:r>
+            <a:endParaRPr kumimoji="0" lang="en-IN" sz="2800" i="0" u="none" strike="noStrike" kern="100" cap="none" spc="0" normalizeH="0" baseline="0" noProof="0" dirty="0">
               <a:ln>
                 <a:noFill/>
               </a:ln>
@@ -6243,7 +6194,7 @@
               </a:solidFill>
               <a:effectLst/>
               <a:highlight>
-                <a:srgbClr val="000000"/>
+                <a:srgbClr val="008000"/>
               </a:highlight>
               <a:uLnTx/>
               <a:uFillTx/>
